--- a/불교/[암기장]  1 불교 20220620월.pptx
+++ b/불교/[암기장]  1 불교 20220620월.pptx
@@ -274,7 +274,7 @@
           <a:p>
             <a:fld id="{C93A7EF4-D5C1-4649-8A60-AD5557F2BE22}" type="datetimeFigureOut">
               <a:rPr lang="ko-KR" altLang="en-US" smtClean="0"/>
-              <a:t>2022-06-20</a:t>
+              <a:t>2022-07-18</a:t>
             </a:fld>
             <a:endParaRPr lang="ko-KR" altLang="en-US"/>
           </a:p>
@@ -444,7 +444,7 @@
           <a:p>
             <a:fld id="{C93A7EF4-D5C1-4649-8A60-AD5557F2BE22}" type="datetimeFigureOut">
               <a:rPr lang="ko-KR" altLang="en-US" smtClean="0"/>
-              <a:t>2022-06-20</a:t>
+              <a:t>2022-07-18</a:t>
             </a:fld>
             <a:endParaRPr lang="ko-KR" altLang="en-US"/>
           </a:p>
@@ -624,7 +624,7 @@
           <a:p>
             <a:fld id="{C93A7EF4-D5C1-4649-8A60-AD5557F2BE22}" type="datetimeFigureOut">
               <a:rPr lang="ko-KR" altLang="en-US" smtClean="0"/>
-              <a:t>2022-06-20</a:t>
+              <a:t>2022-07-18</a:t>
             </a:fld>
             <a:endParaRPr lang="ko-KR" altLang="en-US"/>
           </a:p>
@@ -794,7 +794,7 @@
           <a:p>
             <a:fld id="{C93A7EF4-D5C1-4649-8A60-AD5557F2BE22}" type="datetimeFigureOut">
               <a:rPr lang="ko-KR" altLang="en-US" smtClean="0"/>
-              <a:t>2022-06-20</a:t>
+              <a:t>2022-07-18</a:t>
             </a:fld>
             <a:endParaRPr lang="ko-KR" altLang="en-US"/>
           </a:p>
@@ -1038,7 +1038,7 @@
           <a:p>
             <a:fld id="{C93A7EF4-D5C1-4649-8A60-AD5557F2BE22}" type="datetimeFigureOut">
               <a:rPr lang="ko-KR" altLang="en-US" smtClean="0"/>
-              <a:t>2022-06-20</a:t>
+              <a:t>2022-07-18</a:t>
             </a:fld>
             <a:endParaRPr lang="ko-KR" altLang="en-US"/>
           </a:p>
@@ -1270,7 +1270,7 @@
           <a:p>
             <a:fld id="{C93A7EF4-D5C1-4649-8A60-AD5557F2BE22}" type="datetimeFigureOut">
               <a:rPr lang="ko-KR" altLang="en-US" smtClean="0"/>
-              <a:t>2022-06-20</a:t>
+              <a:t>2022-07-18</a:t>
             </a:fld>
             <a:endParaRPr lang="ko-KR" altLang="en-US"/>
           </a:p>
@@ -1637,7 +1637,7 @@
           <a:p>
             <a:fld id="{C93A7EF4-D5C1-4649-8A60-AD5557F2BE22}" type="datetimeFigureOut">
               <a:rPr lang="ko-KR" altLang="en-US" smtClean="0"/>
-              <a:t>2022-06-20</a:t>
+              <a:t>2022-07-18</a:t>
             </a:fld>
             <a:endParaRPr lang="ko-KR" altLang="en-US"/>
           </a:p>
@@ -1755,7 +1755,7 @@
           <a:p>
             <a:fld id="{C93A7EF4-D5C1-4649-8A60-AD5557F2BE22}" type="datetimeFigureOut">
               <a:rPr lang="ko-KR" altLang="en-US" smtClean="0"/>
-              <a:t>2022-06-20</a:t>
+              <a:t>2022-07-18</a:t>
             </a:fld>
             <a:endParaRPr lang="ko-KR" altLang="en-US"/>
           </a:p>
@@ -1850,7 +1850,7 @@
           <a:p>
             <a:fld id="{C93A7EF4-D5C1-4649-8A60-AD5557F2BE22}" type="datetimeFigureOut">
               <a:rPr lang="ko-KR" altLang="en-US" smtClean="0"/>
-              <a:t>2022-06-20</a:t>
+              <a:t>2022-07-18</a:t>
             </a:fld>
             <a:endParaRPr lang="ko-KR" altLang="en-US"/>
           </a:p>
@@ -2127,7 +2127,7 @@
           <a:p>
             <a:fld id="{C93A7EF4-D5C1-4649-8A60-AD5557F2BE22}" type="datetimeFigureOut">
               <a:rPr lang="ko-KR" altLang="en-US" smtClean="0"/>
-              <a:t>2022-06-20</a:t>
+              <a:t>2022-07-18</a:t>
             </a:fld>
             <a:endParaRPr lang="ko-KR" altLang="en-US"/>
           </a:p>
@@ -2384,7 +2384,7 @@
           <a:p>
             <a:fld id="{C93A7EF4-D5C1-4649-8A60-AD5557F2BE22}" type="datetimeFigureOut">
               <a:rPr lang="ko-KR" altLang="en-US" smtClean="0"/>
-              <a:t>2022-06-20</a:t>
+              <a:t>2022-07-18</a:t>
             </a:fld>
             <a:endParaRPr lang="ko-KR" altLang="en-US"/>
           </a:p>
@@ -2597,7 +2597,7 @@
           <a:p>
             <a:fld id="{C93A7EF4-D5C1-4649-8A60-AD5557F2BE22}" type="datetimeFigureOut">
               <a:rPr lang="ko-KR" altLang="en-US" smtClean="0"/>
-              <a:t>2022-06-20</a:t>
+              <a:t>2022-07-18</a:t>
             </a:fld>
             <a:endParaRPr lang="ko-KR" altLang="en-US"/>
           </a:p>
@@ -5630,7 +5630,7 @@
         </p:nvSpPr>
         <p:spPr>
           <a:xfrm>
-            <a:off x="614364" y="536336"/>
+            <a:off x="752910" y="217682"/>
             <a:ext cx="3239966" cy="1068629"/>
           </a:xfrm>
         </p:spPr>
@@ -5665,14 +5665,14 @@
           <p:nvPr>
             <p:extLst>
               <p:ext uri="{D42A27DB-BD31-4B8C-83A1-F6EECF244321}">
-                <p14:modId xmlns:p14="http://schemas.microsoft.com/office/powerpoint/2010/main" val="1343724548"/>
+                <p14:modId xmlns:p14="http://schemas.microsoft.com/office/powerpoint/2010/main" val="2481848842"/>
               </p:ext>
             </p:extLst>
           </p:nvPr>
         </p:nvGraphicFramePr>
         <p:xfrm>
-          <a:off x="188913" y="1884217"/>
-          <a:ext cx="6669088" cy="6991540"/>
+          <a:off x="188913" y="1286311"/>
+          <a:ext cx="6669088" cy="6614160"/>
         </p:xfrm>
         <a:graphic>
           <a:graphicData uri="http://schemas.openxmlformats.org/drawingml/2006/table">
@@ -5689,7 +5689,7 @@
                   </a:extLst>
                 </a:gridCol>
               </a:tblGrid>
-              <a:tr h="1398308">
+              <a:tr h="1310640">
                 <a:tc>
                   <a:txBody>
                     <a:bodyPr/>
@@ -5841,7 +5841,7 @@
                   </a:ext>
                 </a:extLst>
               </a:tr>
-              <a:tr h="1398308">
+              <a:tr h="1310640">
                 <a:tc>
                   <a:txBody>
                     <a:bodyPr/>
@@ -5961,7 +5961,7 @@
                   </a:ext>
                 </a:extLst>
               </a:tr>
-              <a:tr h="1398308">
+              <a:tr h="1310640">
                 <a:tc>
                   <a:txBody>
                     <a:bodyPr/>
@@ -6101,7 +6101,7 @@
                   </a:ext>
                 </a:extLst>
               </a:tr>
-              <a:tr h="1398308">
+              <a:tr h="1310640">
                 <a:tc>
                   <a:txBody>
                     <a:bodyPr/>
@@ -6151,7 +6151,7 @@
                         <a:defRPr/>
                       </a:pPr>
                       <a:r>
-                        <a:rPr lang="ko-KR" altLang="en-US" sz="2800" dirty="0">
+                        <a:rPr lang="ko-KR" altLang="en-US" sz="2800" spc="-300" dirty="0">
                           <a:solidFill>
                             <a:schemeClr val="tx1"/>
                           </a:solidFill>
@@ -6161,7 +6161,7 @@
                         <a:t>아제 </a:t>
                       </a:r>
                       <a:r>
-                        <a:rPr lang="ko-KR" altLang="en-US" sz="2800" dirty="0" err="1">
+                        <a:rPr lang="ko-KR" altLang="en-US" sz="2800" spc="-300" dirty="0" err="1">
                           <a:solidFill>
                             <a:schemeClr val="tx1"/>
                           </a:solidFill>
@@ -6171,7 +6171,7 @@
                         <a:t>아제</a:t>
                       </a:r>
                       <a:r>
-                        <a:rPr lang="ko-KR" altLang="en-US" sz="2800" dirty="0">
+                        <a:rPr lang="ko-KR" altLang="en-US" sz="2800" spc="-300" dirty="0">
                           <a:solidFill>
                             <a:schemeClr val="tx1"/>
                           </a:solidFill>
@@ -6181,7 +6181,7 @@
                         <a:t> 바라아제 </a:t>
                       </a:r>
                       <a:r>
-                        <a:rPr lang="ko-KR" altLang="en-US" sz="2800" dirty="0" err="1">
+                        <a:rPr lang="ko-KR" altLang="en-US" sz="2800" spc="-300" dirty="0" err="1" smtClean="0">
                           <a:solidFill>
                             <a:schemeClr val="tx1"/>
                           </a:solidFill>
@@ -6190,7 +6190,27 @@
                         </a:rPr>
                         <a:t>바라승아제</a:t>
                       </a:r>
-                      <a:endParaRPr lang="en-US" altLang="ko-KR" sz="2800" dirty="0">
+                      <a:r>
+                        <a:rPr lang="ko-KR" altLang="en-US" sz="2800" spc="-300" dirty="0" smtClean="0">
+                          <a:solidFill>
+                            <a:schemeClr val="tx1"/>
+                          </a:solidFill>
+                          <a:latin typeface="HY견명조" panose="02030600000101010101" pitchFamily="18" charset="-127"/>
+                          <a:ea typeface="HY견명조" panose="02030600000101010101" pitchFamily="18" charset="-127"/>
+                        </a:rPr>
+                        <a:t> 모지 </a:t>
+                      </a:r>
+                      <a:r>
+                        <a:rPr lang="ko-KR" altLang="en-US" sz="2800" spc="-300" dirty="0" err="1" smtClean="0">
+                          <a:solidFill>
+                            <a:schemeClr val="tx1"/>
+                          </a:solidFill>
+                          <a:latin typeface="HY견명조" panose="02030600000101010101" pitchFamily="18" charset="-127"/>
+                          <a:ea typeface="HY견명조" panose="02030600000101010101" pitchFamily="18" charset="-127"/>
+                        </a:rPr>
+                        <a:t>사바하</a:t>
+                      </a:r>
+                      <a:endParaRPr lang="en-US" altLang="ko-KR" sz="2800" spc="-300" dirty="0">
                         <a:solidFill>
                           <a:schemeClr val="tx1"/>
                         </a:solidFill>
@@ -6216,6 +6236,14 @@
                         <a:tabLst/>
                         <a:defRPr/>
                       </a:pPr>
+                      <a:r>
+                        <a:rPr lang="en-US" altLang="ko-KR" sz="2800" dirty="0" smtClean="0">
+                          <a:solidFill>
+                            <a:schemeClr val="tx1"/>
+                          </a:solidFill>
+                        </a:rPr>
+                        <a:t> </a:t>
+                      </a:r>
                       <a:endParaRPr lang="ko-KR" altLang="en-US" sz="2800" dirty="0">
                         <a:solidFill>
                           <a:schemeClr val="tx1"/>
@@ -6269,7 +6297,7 @@
                   </a:ext>
                 </a:extLst>
               </a:tr>
-              <a:tr h="1398308">
+              <a:tr h="1310640">
                 <a:tc>
                   <a:txBody>
                     <a:bodyPr/>
@@ -6425,6 +6453,433 @@
           </a:graphicData>
         </a:graphic>
       </p:graphicFrame>
+      <p:graphicFrame>
+        <p:nvGraphicFramePr>
+          <p:cNvPr id="4" name="표 14">
+            <a:extLst>
+              <a:ext uri="{FF2B5EF4-FFF2-40B4-BE49-F238E27FC236}">
+                <a16:creationId xmlns:a16="http://schemas.microsoft.com/office/drawing/2014/main" id="{59507E07-AC88-4088-8A28-B887875A685E}"/>
+              </a:ext>
+            </a:extLst>
+          </p:cNvPr>
+          <p:cNvGraphicFramePr>
+            <a:graphicFrameLocks noGrp="1"/>
+          </p:cNvGraphicFramePr>
+          <p:nvPr>
+            <p:extLst>
+              <p:ext uri="{D42A27DB-BD31-4B8C-83A1-F6EECF244321}">
+                <p14:modId xmlns:p14="http://schemas.microsoft.com/office/powerpoint/2010/main" val="3627728369"/>
+              </p:ext>
+            </p:extLst>
+          </p:nvPr>
+        </p:nvGraphicFramePr>
+        <p:xfrm>
+          <a:off x="188913" y="7900471"/>
+          <a:ext cx="4937269" cy="3444240"/>
+        </p:xfrm>
+        <a:graphic>
+          <a:graphicData uri="http://schemas.openxmlformats.org/drawingml/2006/table">
+            <a:tbl>
+              <a:tblPr firstRow="1" bandRow="1">
+                <a:tableStyleId>{5C22544A-7EE6-4342-B048-85BDC9FD1C3A}</a:tableStyleId>
+              </a:tblPr>
+              <a:tblGrid>
+                <a:gridCol w="4937269">
+                  <a:extLst>
+                    <a:ext uri="{9D8B030D-6E8A-4147-A177-3AD203B41FA5}">
+                      <a16:colId xmlns:a16="http://schemas.microsoft.com/office/drawing/2014/main" val="1084169236"/>
+                    </a:ext>
+                  </a:extLst>
+                </a:gridCol>
+              </a:tblGrid>
+              <a:tr h="438928">
+                <a:tc>
+                  <a:txBody>
+                    <a:bodyPr/>
+                    <a:lstStyle/>
+                    <a:p>
+                      <a:pPr latinLnBrk="1"/>
+                      <a:r>
+                        <a:rPr lang="ko-KR" altLang="en-US" sz="3600" dirty="0" smtClean="0">
+                          <a:solidFill>
+                            <a:schemeClr val="tx1"/>
+                          </a:solidFill>
+                          <a:latin typeface="HY견명조" panose="02030600000101010101" pitchFamily="18" charset="-127"/>
+                          <a:ea typeface="HY견명조" panose="02030600000101010101" pitchFamily="18" charset="-127"/>
+                        </a:rPr>
+                        <a:t>지장보살 </a:t>
+                      </a:r>
+                      <a:r>
+                        <a:rPr lang="ko-KR" altLang="en-US" sz="3600" dirty="0" err="1" smtClean="0">
+                          <a:solidFill>
+                            <a:schemeClr val="tx1"/>
+                          </a:solidFill>
+                          <a:latin typeface="HY견명조" panose="02030600000101010101" pitchFamily="18" charset="-127"/>
+                          <a:ea typeface="HY견명조" panose="02030600000101010101" pitchFamily="18" charset="-127"/>
+                        </a:rPr>
+                        <a:t>멸장업진언</a:t>
+                      </a:r>
+                      <a:endParaRPr lang="en-US" altLang="ko-KR" sz="3600" dirty="0" smtClean="0">
+                        <a:solidFill>
+                          <a:schemeClr val="tx1"/>
+                        </a:solidFill>
+                        <a:latin typeface="HY견명조" panose="02030600000101010101" pitchFamily="18" charset="-127"/>
+                        <a:ea typeface="HY견명조" panose="02030600000101010101" pitchFamily="18" charset="-127"/>
+                      </a:endParaRPr>
+                    </a:p>
+                    <a:p>
+                      <a:pPr latinLnBrk="1"/>
+                      <a:r>
+                        <a:rPr lang="ko-KR" altLang="en-US" sz="3200" dirty="0" smtClean="0">
+                          <a:solidFill>
+                            <a:schemeClr val="tx1"/>
+                          </a:solidFill>
+                          <a:latin typeface="HY견명조" panose="02030600000101010101" pitchFamily="18" charset="-127"/>
+                          <a:ea typeface="HY견명조" panose="02030600000101010101" pitchFamily="18" charset="-127"/>
+                        </a:rPr>
+                        <a:t>옴 바라 마니 다이 </a:t>
+                      </a:r>
+                      <a:r>
+                        <a:rPr lang="ko-KR" altLang="en-US" sz="3200" dirty="0" err="1" smtClean="0">
+                          <a:solidFill>
+                            <a:schemeClr val="tx1"/>
+                          </a:solidFill>
+                          <a:latin typeface="HY견명조" panose="02030600000101010101" pitchFamily="18" charset="-127"/>
+                          <a:ea typeface="HY견명조" panose="02030600000101010101" pitchFamily="18" charset="-127"/>
+                        </a:rPr>
+                        <a:t>사바하</a:t>
+                      </a:r>
+                      <a:endParaRPr lang="ko-KR" altLang="en-US" sz="2400" dirty="0">
+                        <a:solidFill>
+                          <a:schemeClr val="tx1"/>
+                        </a:solidFill>
+                        <a:latin typeface="HY견명조" panose="02030600000101010101" pitchFamily="18" charset="-127"/>
+                        <a:ea typeface="HY견명조" panose="02030600000101010101" pitchFamily="18" charset="-127"/>
+                      </a:endParaRPr>
+                    </a:p>
+                  </a:txBody>
+                  <a:tcPr anchor="ctr">
+                    <a:lnL w="12700" cap="flat" cmpd="sng" algn="ctr">
+                      <a:noFill/>
+                      <a:prstDash val="solid"/>
+                      <a:round/>
+                      <a:headEnd type="none" w="med" len="med"/>
+                      <a:tailEnd type="none" w="med" len="med"/>
+                    </a:lnL>
+                    <a:lnR w="12700" cap="flat" cmpd="sng" algn="ctr">
+                      <a:noFill/>
+                      <a:prstDash val="solid"/>
+                      <a:round/>
+                      <a:headEnd type="none" w="med" len="med"/>
+                      <a:tailEnd type="none" w="med" len="med"/>
+                    </a:lnR>
+                    <a:lnT w="12700" cap="flat" cmpd="sng" algn="ctr">
+                      <a:noFill/>
+                      <a:prstDash val="solid"/>
+                      <a:round/>
+                      <a:headEnd type="none" w="med" len="med"/>
+                      <a:tailEnd type="none" w="med" len="med"/>
+                    </a:lnT>
+                    <a:lnB w="12700" cap="flat" cmpd="sng" algn="ctr">
+                      <a:noFill/>
+                      <a:prstDash val="solid"/>
+                      <a:round/>
+                      <a:headEnd type="none" w="med" len="med"/>
+                      <a:tailEnd type="none" w="med" len="med"/>
+                    </a:lnB>
+                    <a:lnTlToBr w="12700" cmpd="sng">
+                      <a:noFill/>
+                      <a:prstDash val="solid"/>
+                    </a:lnTlToBr>
+                    <a:lnBlToTr w="12700" cmpd="sng">
+                      <a:noFill/>
+                      <a:prstDash val="solid"/>
+                    </a:lnBlToTr>
+                    <a:noFill/>
+                  </a:tcPr>
+                </a:tc>
+                <a:extLst>
+                  <a:ext uri="{0D108BD9-81ED-4DB2-BD59-A6C34878D82A}">
+                    <a16:rowId xmlns:a16="http://schemas.microsoft.com/office/drawing/2014/main" val="740540804"/>
+                  </a:ext>
+                </a:extLst>
+              </a:tr>
+              <a:tr h="249122">
+                <a:tc>
+                  <a:txBody>
+                    <a:bodyPr/>
+                    <a:lstStyle/>
+                    <a:p>
+                      <a:pPr latinLnBrk="1"/>
+                      <a:endParaRPr lang="ko-KR" altLang="en-US" sz="3600" dirty="0">
+                        <a:solidFill>
+                          <a:schemeClr val="tx1"/>
+                        </a:solidFill>
+                      </a:endParaRPr>
+                    </a:p>
+                  </a:txBody>
+                  <a:tcPr anchor="ctr">
+                    <a:lnL w="12700" cap="flat" cmpd="sng" algn="ctr">
+                      <a:noFill/>
+                      <a:prstDash val="solid"/>
+                      <a:round/>
+                      <a:headEnd type="none" w="med" len="med"/>
+                      <a:tailEnd type="none" w="med" len="med"/>
+                    </a:lnL>
+                    <a:lnR w="12700" cap="flat" cmpd="sng" algn="ctr">
+                      <a:noFill/>
+                      <a:prstDash val="solid"/>
+                      <a:round/>
+                      <a:headEnd type="none" w="med" len="med"/>
+                      <a:tailEnd type="none" w="med" len="med"/>
+                    </a:lnR>
+                    <a:lnT w="12700" cap="flat" cmpd="sng" algn="ctr">
+                      <a:noFill/>
+                      <a:prstDash val="solid"/>
+                      <a:round/>
+                      <a:headEnd type="none" w="med" len="med"/>
+                      <a:tailEnd type="none" w="med" len="med"/>
+                    </a:lnT>
+                    <a:lnB w="12700" cap="flat" cmpd="sng" algn="ctr">
+                      <a:noFill/>
+                      <a:prstDash val="solid"/>
+                      <a:round/>
+                      <a:headEnd type="none" w="med" len="med"/>
+                      <a:tailEnd type="none" w="med" len="med"/>
+                    </a:lnB>
+                    <a:lnTlToBr w="12700" cmpd="sng">
+                      <a:noFill/>
+                      <a:prstDash val="solid"/>
+                    </a:lnTlToBr>
+                    <a:lnBlToTr w="12700" cmpd="sng">
+                      <a:noFill/>
+                      <a:prstDash val="solid"/>
+                    </a:lnBlToTr>
+                    <a:noFill/>
+                  </a:tcPr>
+                </a:tc>
+                <a:extLst>
+                  <a:ext uri="{0D108BD9-81ED-4DB2-BD59-A6C34878D82A}">
+                    <a16:rowId xmlns:a16="http://schemas.microsoft.com/office/drawing/2014/main" val="4036342298"/>
+                  </a:ext>
+                </a:extLst>
+              </a:tr>
+              <a:tr h="249122">
+                <a:tc>
+                  <a:txBody>
+                    <a:bodyPr/>
+                    <a:lstStyle/>
+                    <a:p>
+                      <a:pPr latinLnBrk="1"/>
+                      <a:endParaRPr lang="ko-KR" altLang="en-US" sz="3600" dirty="0">
+                        <a:solidFill>
+                          <a:schemeClr val="tx1"/>
+                        </a:solidFill>
+                      </a:endParaRPr>
+                    </a:p>
+                  </a:txBody>
+                  <a:tcPr anchor="ctr">
+                    <a:lnL w="12700" cap="flat" cmpd="sng" algn="ctr">
+                      <a:noFill/>
+                      <a:prstDash val="solid"/>
+                      <a:round/>
+                      <a:headEnd type="none" w="med" len="med"/>
+                      <a:tailEnd type="none" w="med" len="med"/>
+                    </a:lnL>
+                    <a:lnR w="12700" cap="flat" cmpd="sng" algn="ctr">
+                      <a:noFill/>
+                      <a:prstDash val="solid"/>
+                      <a:round/>
+                      <a:headEnd type="none" w="med" len="med"/>
+                      <a:tailEnd type="none" w="med" len="med"/>
+                    </a:lnR>
+                    <a:lnT w="12700" cap="flat" cmpd="sng" algn="ctr">
+                      <a:noFill/>
+                      <a:prstDash val="solid"/>
+                      <a:round/>
+                      <a:headEnd type="none" w="med" len="med"/>
+                      <a:tailEnd type="none" w="med" len="med"/>
+                    </a:lnT>
+                    <a:lnB w="12700" cap="flat" cmpd="sng" algn="ctr">
+                      <a:noFill/>
+                      <a:prstDash val="solid"/>
+                      <a:round/>
+                      <a:headEnd type="none" w="med" len="med"/>
+                      <a:tailEnd type="none" w="med" len="med"/>
+                    </a:lnB>
+                    <a:lnTlToBr w="12700" cmpd="sng">
+                      <a:noFill/>
+                      <a:prstDash val="solid"/>
+                    </a:lnTlToBr>
+                    <a:lnBlToTr w="12700" cmpd="sng">
+                      <a:noFill/>
+                      <a:prstDash val="solid"/>
+                    </a:lnBlToTr>
+                    <a:noFill/>
+                  </a:tcPr>
+                </a:tc>
+                <a:extLst>
+                  <a:ext uri="{0D108BD9-81ED-4DB2-BD59-A6C34878D82A}">
+                    <a16:rowId xmlns:a16="http://schemas.microsoft.com/office/drawing/2014/main" val="3478376890"/>
+                  </a:ext>
+                </a:extLst>
+              </a:tr>
+              <a:tr h="201670">
+                <a:tc>
+                  <a:txBody>
+                    <a:bodyPr/>
+                    <a:lstStyle/>
+                    <a:p>
+                      <a:pPr marL="0" marR="0" indent="0" algn="l" defTabSz="685800" rtl="0" eaLnBrk="1" fontAlgn="auto" latinLnBrk="1" hangingPunct="1">
+                        <a:lnSpc>
+                          <a:spcPct val="100000"/>
+                        </a:lnSpc>
+                        <a:spcBef>
+                          <a:spcPts val="0"/>
+                        </a:spcBef>
+                        <a:spcAft>
+                          <a:spcPts val="0"/>
+                        </a:spcAft>
+                        <a:buClrTx/>
+                        <a:buSzTx/>
+                        <a:buFontTx/>
+                        <a:buNone/>
+                        <a:tabLst/>
+                        <a:defRPr/>
+                      </a:pPr>
+                      <a:endParaRPr lang="ko-KR" altLang="en-US" sz="2800" dirty="0">
+                        <a:solidFill>
+                          <a:schemeClr val="tx1"/>
+                        </a:solidFill>
+                      </a:endParaRPr>
+                    </a:p>
+                  </a:txBody>
+                  <a:tcPr anchor="ctr">
+                    <a:lnL w="12700" cap="flat" cmpd="sng" algn="ctr">
+                      <a:noFill/>
+                      <a:prstDash val="solid"/>
+                      <a:round/>
+                      <a:headEnd type="none" w="med" len="med"/>
+                      <a:tailEnd type="none" w="med" len="med"/>
+                    </a:lnL>
+                    <a:lnR w="12700" cap="flat" cmpd="sng" algn="ctr">
+                      <a:noFill/>
+                      <a:prstDash val="solid"/>
+                      <a:round/>
+                      <a:headEnd type="none" w="med" len="med"/>
+                      <a:tailEnd type="none" w="med" len="med"/>
+                    </a:lnR>
+                    <a:lnT w="12700" cap="flat" cmpd="sng" algn="ctr">
+                      <a:noFill/>
+                      <a:prstDash val="solid"/>
+                      <a:round/>
+                      <a:headEnd type="none" w="med" len="med"/>
+                      <a:tailEnd type="none" w="med" len="med"/>
+                    </a:lnT>
+                    <a:lnB w="12700" cap="flat" cmpd="sng" algn="ctr">
+                      <a:noFill/>
+                      <a:prstDash val="solid"/>
+                      <a:round/>
+                      <a:headEnd type="none" w="med" len="med"/>
+                      <a:tailEnd type="none" w="med" len="med"/>
+                    </a:lnB>
+                    <a:lnTlToBr w="12700" cmpd="sng">
+                      <a:noFill/>
+                      <a:prstDash val="solid"/>
+                    </a:lnTlToBr>
+                    <a:lnBlToTr w="12700" cmpd="sng">
+                      <a:noFill/>
+                      <a:prstDash val="solid"/>
+                    </a:lnBlToTr>
+                    <a:noFill/>
+                  </a:tcPr>
+                </a:tc>
+                <a:extLst>
+                  <a:ext uri="{0D108BD9-81ED-4DB2-BD59-A6C34878D82A}">
+                    <a16:rowId xmlns:a16="http://schemas.microsoft.com/office/drawing/2014/main" val="77241700"/>
+                  </a:ext>
+                </a:extLst>
+              </a:tr>
+              <a:tr h="201670">
+                <a:tc>
+                  <a:txBody>
+                    <a:bodyPr/>
+                    <a:lstStyle/>
+                    <a:p>
+                      <a:pPr marL="0" marR="0" indent="0" algn="l" defTabSz="685800" rtl="0" eaLnBrk="1" fontAlgn="auto" latinLnBrk="1" hangingPunct="1">
+                        <a:lnSpc>
+                          <a:spcPct val="100000"/>
+                        </a:lnSpc>
+                        <a:spcBef>
+                          <a:spcPts val="0"/>
+                        </a:spcBef>
+                        <a:spcAft>
+                          <a:spcPts val="0"/>
+                        </a:spcAft>
+                        <a:buClrTx/>
+                        <a:buSzTx/>
+                        <a:buFontTx/>
+                        <a:buNone/>
+                        <a:tabLst/>
+                        <a:defRPr/>
+                      </a:pPr>
+                      <a:endParaRPr lang="ko-KR" altLang="en-US" sz="2800" dirty="0">
+                        <a:solidFill>
+                          <a:schemeClr val="tx1"/>
+                        </a:solidFill>
+                      </a:endParaRPr>
+                    </a:p>
+                  </a:txBody>
+                  <a:tcPr anchor="ctr">
+                    <a:lnL w="12700" cap="flat" cmpd="sng" algn="ctr">
+                      <a:noFill/>
+                      <a:prstDash val="solid"/>
+                      <a:round/>
+                      <a:headEnd type="none" w="med" len="med"/>
+                      <a:tailEnd type="none" w="med" len="med"/>
+                    </a:lnL>
+                    <a:lnR w="12700" cap="flat" cmpd="sng" algn="ctr">
+                      <a:noFill/>
+                      <a:prstDash val="solid"/>
+                      <a:round/>
+                      <a:headEnd type="none" w="med" len="med"/>
+                      <a:tailEnd type="none" w="med" len="med"/>
+                    </a:lnR>
+                    <a:lnT w="12700" cap="flat" cmpd="sng" algn="ctr">
+                      <a:noFill/>
+                      <a:prstDash val="solid"/>
+                      <a:round/>
+                      <a:headEnd type="none" w="med" len="med"/>
+                      <a:tailEnd type="none" w="med" len="med"/>
+                    </a:lnT>
+                    <a:lnB w="12700" cap="flat" cmpd="sng" algn="ctr">
+                      <a:noFill/>
+                      <a:prstDash val="solid"/>
+                      <a:round/>
+                      <a:headEnd type="none" w="med" len="med"/>
+                      <a:tailEnd type="none" w="med" len="med"/>
+                    </a:lnB>
+                    <a:lnTlToBr w="12700" cmpd="sng">
+                      <a:noFill/>
+                      <a:prstDash val="solid"/>
+                    </a:lnTlToBr>
+                    <a:lnBlToTr w="12700" cmpd="sng">
+                      <a:noFill/>
+                      <a:prstDash val="solid"/>
+                    </a:lnBlToTr>
+                    <a:noFill/>
+                  </a:tcPr>
+                </a:tc>
+                <a:extLst>
+                  <a:ext uri="{0D108BD9-81ED-4DB2-BD59-A6C34878D82A}">
+                    <a16:rowId xmlns:a16="http://schemas.microsoft.com/office/drawing/2014/main" val="1867490952"/>
+                  </a:ext>
+                </a:extLst>
+              </a:tr>
+            </a:tbl>
+          </a:graphicData>
+        </a:graphic>
+      </p:graphicFrame>
     </p:spTree>
     <p:extLst>
       <p:ext uri="{BB962C8B-B14F-4D97-AF65-F5344CB8AC3E}">
@@ -6525,7 +6980,7 @@
         </p:spPr>
         <p:txBody>
           <a:bodyPr>
-            <a:normAutofit/>
+            <a:normAutofit lnSpcReduction="10000"/>
           </a:bodyPr>
           <a:lstStyle/>
           <a:p>
